--- a/APS/동물연금술사 기획서.pptx
+++ b/APS/동물연금술사 기획서.pptx
@@ -271,7 +271,7 @@
           <a:p>
             <a:fld id="{C8629EB7-564A-41D4-A850-4315631ACD46}" type="datetimeFigureOut">
               <a:rPr lang="ko-KR" altLang="en-US" smtClean="0"/>
-              <a:t>2021-06-19</a:t>
+              <a:t>2021-06-20</a:t>
             </a:fld>
             <a:endParaRPr lang="ko-KR" altLang="en-US"/>
           </a:p>
@@ -469,7 +469,7 @@
           <a:p>
             <a:fld id="{C8629EB7-564A-41D4-A850-4315631ACD46}" type="datetimeFigureOut">
               <a:rPr lang="ko-KR" altLang="en-US" smtClean="0"/>
-              <a:t>2021-06-19</a:t>
+              <a:t>2021-06-20</a:t>
             </a:fld>
             <a:endParaRPr lang="ko-KR" altLang="en-US"/>
           </a:p>
@@ -677,7 +677,7 @@
           <a:p>
             <a:fld id="{C8629EB7-564A-41D4-A850-4315631ACD46}" type="datetimeFigureOut">
               <a:rPr lang="ko-KR" altLang="en-US" smtClean="0"/>
-              <a:t>2021-06-19</a:t>
+              <a:t>2021-06-20</a:t>
             </a:fld>
             <a:endParaRPr lang="ko-KR" altLang="en-US"/>
           </a:p>
@@ -875,7 +875,7 @@
           <a:p>
             <a:fld id="{C8629EB7-564A-41D4-A850-4315631ACD46}" type="datetimeFigureOut">
               <a:rPr lang="ko-KR" altLang="en-US" smtClean="0"/>
-              <a:t>2021-06-19</a:t>
+              <a:t>2021-06-20</a:t>
             </a:fld>
             <a:endParaRPr lang="ko-KR" altLang="en-US"/>
           </a:p>
@@ -1150,7 +1150,7 @@
           <a:p>
             <a:fld id="{C8629EB7-564A-41D4-A850-4315631ACD46}" type="datetimeFigureOut">
               <a:rPr lang="ko-KR" altLang="en-US" smtClean="0"/>
-              <a:t>2021-06-19</a:t>
+              <a:t>2021-06-20</a:t>
             </a:fld>
             <a:endParaRPr lang="ko-KR" altLang="en-US"/>
           </a:p>
@@ -1415,7 +1415,7 @@
           <a:p>
             <a:fld id="{C8629EB7-564A-41D4-A850-4315631ACD46}" type="datetimeFigureOut">
               <a:rPr lang="ko-KR" altLang="en-US" smtClean="0"/>
-              <a:t>2021-06-19</a:t>
+              <a:t>2021-06-20</a:t>
             </a:fld>
             <a:endParaRPr lang="ko-KR" altLang="en-US"/>
           </a:p>
@@ -1827,7 +1827,7 @@
           <a:p>
             <a:fld id="{C8629EB7-564A-41D4-A850-4315631ACD46}" type="datetimeFigureOut">
               <a:rPr lang="ko-KR" altLang="en-US" smtClean="0"/>
-              <a:t>2021-06-19</a:t>
+              <a:t>2021-06-20</a:t>
             </a:fld>
             <a:endParaRPr lang="ko-KR" altLang="en-US"/>
           </a:p>
@@ -1968,7 +1968,7 @@
           <a:p>
             <a:fld id="{C8629EB7-564A-41D4-A850-4315631ACD46}" type="datetimeFigureOut">
               <a:rPr lang="ko-KR" altLang="en-US" smtClean="0"/>
-              <a:t>2021-06-19</a:t>
+              <a:t>2021-06-20</a:t>
             </a:fld>
             <a:endParaRPr lang="ko-KR" altLang="en-US"/>
           </a:p>
@@ -2081,7 +2081,7 @@
           <a:p>
             <a:fld id="{C8629EB7-564A-41D4-A850-4315631ACD46}" type="datetimeFigureOut">
               <a:rPr lang="ko-KR" altLang="en-US" smtClean="0"/>
-              <a:t>2021-06-19</a:t>
+              <a:t>2021-06-20</a:t>
             </a:fld>
             <a:endParaRPr lang="ko-KR" altLang="en-US"/>
           </a:p>
@@ -2392,7 +2392,7 @@
           <a:p>
             <a:fld id="{C8629EB7-564A-41D4-A850-4315631ACD46}" type="datetimeFigureOut">
               <a:rPr lang="ko-KR" altLang="en-US" smtClean="0"/>
-              <a:t>2021-06-19</a:t>
+              <a:t>2021-06-20</a:t>
             </a:fld>
             <a:endParaRPr lang="ko-KR" altLang="en-US"/>
           </a:p>
@@ -2680,7 +2680,7 @@
           <a:p>
             <a:fld id="{C8629EB7-564A-41D4-A850-4315631ACD46}" type="datetimeFigureOut">
               <a:rPr lang="ko-KR" altLang="en-US" smtClean="0"/>
-              <a:t>2021-06-19</a:t>
+              <a:t>2021-06-20</a:t>
             </a:fld>
             <a:endParaRPr lang="ko-KR" altLang="en-US"/>
           </a:p>
@@ -2921,7 +2921,7 @@
           <a:p>
             <a:fld id="{C8629EB7-564A-41D4-A850-4315631ACD46}" type="datetimeFigureOut">
               <a:rPr lang="ko-KR" altLang="en-US" smtClean="0"/>
-              <a:t>2021-06-19</a:t>
+              <a:t>2021-06-20</a:t>
             </a:fld>
             <a:endParaRPr lang="ko-KR" altLang="en-US"/>
           </a:p>
@@ -3963,6 +3963,54 @@
           </a:p>
         </p:txBody>
       </p:sp>
+      <p:pic>
+        <p:nvPicPr>
+          <p:cNvPr id="4" name="그림 3"/>
+          <p:cNvPicPr>
+            <a:picLocks noChangeAspect="1"/>
+          </p:cNvPicPr>
+          <p:nvPr/>
+        </p:nvPicPr>
+        <p:blipFill>
+          <a:blip r:embed="rId2"/>
+          <a:stretch>
+            <a:fillRect/>
+          </a:stretch>
+        </p:blipFill>
+        <p:spPr>
+          <a:xfrm>
+            <a:off x="345832" y="4082085"/>
+            <a:ext cx="5395546" cy="2775915"/>
+          </a:xfrm>
+          <a:prstGeom prst="rect">
+            <a:avLst/>
+          </a:prstGeom>
+        </p:spPr>
+      </p:pic>
+      <p:pic>
+        <p:nvPicPr>
+          <p:cNvPr id="5" name="그림 4"/>
+          <p:cNvPicPr>
+            <a:picLocks noChangeAspect="1"/>
+          </p:cNvPicPr>
+          <p:nvPr/>
+        </p:nvPicPr>
+        <p:blipFill>
+          <a:blip r:embed="rId3"/>
+          <a:stretch>
+            <a:fillRect/>
+          </a:stretch>
+        </p:blipFill>
+        <p:spPr>
+          <a:xfrm>
+            <a:off x="6022731" y="3646079"/>
+            <a:ext cx="4630615" cy="3211921"/>
+          </a:xfrm>
+          <a:prstGeom prst="rect">
+            <a:avLst/>
+          </a:prstGeom>
+        </p:spPr>
+      </p:pic>
     </p:spTree>
     <p:extLst>
       <p:ext uri="{BB962C8B-B14F-4D97-AF65-F5344CB8AC3E}">
@@ -4807,7 +4855,7 @@
         </p:nvSpPr>
         <p:spPr>
           <a:xfrm>
-            <a:off x="7313726" y="1225119"/>
+            <a:off x="5080480" y="1225119"/>
             <a:ext cx="1194124" cy="727968"/>
           </a:xfrm>
           <a:prstGeom prst="rect">
@@ -4861,7 +4909,7 @@
         </p:nvSpPr>
         <p:spPr>
           <a:xfrm>
-            <a:off x="7313725" y="2496103"/>
+            <a:off x="5080479" y="2496103"/>
             <a:ext cx="1194124" cy="727968"/>
           </a:xfrm>
           <a:prstGeom prst="rect">
@@ -4918,7 +4966,7 @@
         </p:nvSpPr>
         <p:spPr>
           <a:xfrm>
-            <a:off x="5058796" y="3713823"/>
+            <a:off x="2825550" y="3713823"/>
             <a:ext cx="1194124" cy="727968"/>
           </a:xfrm>
           <a:prstGeom prst="rect">
@@ -4975,7 +5023,7 @@
         </p:nvSpPr>
         <p:spPr>
           <a:xfrm>
-            <a:off x="7081853" y="3713823"/>
+            <a:off x="4848607" y="3713823"/>
             <a:ext cx="1657867" cy="727968"/>
           </a:xfrm>
           <a:prstGeom prst="rect">
@@ -5045,7 +5093,73 @@
         </p:nvSpPr>
         <p:spPr>
           <a:xfrm>
-            <a:off x="9657429" y="3713823"/>
+            <a:off x="8955476" y="3713823"/>
+            <a:ext cx="1456048" cy="727968"/>
+          </a:xfrm>
+          <a:prstGeom prst="rect">
+            <a:avLst/>
+          </a:prstGeom>
+          <a:ln>
+            <a:headEnd w="lg" len="lg"/>
+            <a:tailEnd w="lg" len="lg"/>
+          </a:ln>
+        </p:spPr>
+        <p:style>
+          <a:lnRef idx="2">
+            <a:schemeClr val="accent1">
+              <a:shade val="50000"/>
+            </a:schemeClr>
+          </a:lnRef>
+          <a:fillRef idx="1">
+            <a:schemeClr val="accent1"/>
+          </a:fillRef>
+          <a:effectRef idx="0">
+            <a:schemeClr val="accent1"/>
+          </a:effectRef>
+          <a:fontRef idx="minor">
+            <a:schemeClr val="lt1"/>
+          </a:fontRef>
+        </p:style>
+        <p:txBody>
+          <a:bodyPr rtlCol="0" anchor="ctr"/>
+          <a:lstStyle/>
+          <a:p>
+            <a:pPr algn="ctr"/>
+            <a:r>
+              <a:rPr lang="ko-KR" altLang="en-US" dirty="0" smtClean="0"/>
+              <a:t>스토리</a:t>
+            </a:r>
+            <a:r>
+              <a:rPr lang="en-US" altLang="ko-KR" dirty="0" smtClean="0"/>
+              <a:t>(</a:t>
+            </a:r>
+            <a:r>
+              <a:rPr lang="ko-KR" altLang="en-US" dirty="0" smtClean="0"/>
+              <a:t>전투</a:t>
+            </a:r>
+            <a:r>
+              <a:rPr lang="en-US" altLang="ko-KR" dirty="0" smtClean="0"/>
+              <a:t>)</a:t>
+            </a:r>
+            <a:endParaRPr lang="ko-KR" altLang="en-US" dirty="0"/>
+          </a:p>
+        </p:txBody>
+      </p:sp>
+      <p:sp>
+        <p:nvSpPr>
+          <p:cNvPr id="10" name="직사각형 9">
+            <a:extLst>
+              <a:ext uri="{FF2B5EF4-FFF2-40B4-BE49-F238E27FC236}">
+                <a16:creationId xmlns:a16="http://schemas.microsoft.com/office/drawing/2014/main" id="{818B806C-0F28-4685-AAC1-97D43DDFBC3A}"/>
+              </a:ext>
+            </a:extLst>
+          </p:cNvPr>
+          <p:cNvSpPr/>
+          <p:nvPr/>
+        </p:nvSpPr>
+        <p:spPr>
+          <a:xfrm>
+            <a:off x="5062724" y="5276291"/>
             <a:ext cx="1194124" cy="727968"/>
           </a:xfrm>
           <a:prstGeom prst="rect">
@@ -5079,80 +5193,6 @@
             <a:pPr algn="ctr"/>
             <a:r>
               <a:rPr lang="ko-KR" altLang="en-US" dirty="0"/>
-              <a:t>토벌</a:t>
-            </a:r>
-            <a:r>
-              <a:rPr lang="en-US" altLang="ko-KR" dirty="0"/>
-              <a:t>, </a:t>
-            </a:r>
-            <a:r>
-              <a:rPr lang="ko-KR" altLang="en-US" dirty="0"/>
-              <a:t>원정</a:t>
-            </a:r>
-            <a:r>
-              <a:rPr lang="en-US" altLang="ko-KR" dirty="0"/>
-              <a:t>(</a:t>
-            </a:r>
-            <a:r>
-              <a:rPr lang="ko-KR" altLang="en-US" dirty="0"/>
-              <a:t>스토리</a:t>
-            </a:r>
-            <a:r>
-              <a:rPr lang="en-US" altLang="ko-KR" dirty="0"/>
-              <a:t>)</a:t>
-            </a:r>
-            <a:endParaRPr lang="ko-KR" altLang="en-US" dirty="0"/>
-          </a:p>
-        </p:txBody>
-      </p:sp>
-      <p:sp>
-        <p:nvSpPr>
-          <p:cNvPr id="10" name="직사각형 9">
-            <a:extLst>
-              <a:ext uri="{FF2B5EF4-FFF2-40B4-BE49-F238E27FC236}">
-                <a16:creationId xmlns:a16="http://schemas.microsoft.com/office/drawing/2014/main" id="{818B806C-0F28-4685-AAC1-97D43DDFBC3A}"/>
-              </a:ext>
-            </a:extLst>
-          </p:cNvPr>
-          <p:cNvSpPr/>
-          <p:nvPr/>
-        </p:nvSpPr>
-        <p:spPr>
-          <a:xfrm>
-            <a:off x="7295970" y="5276291"/>
-            <a:ext cx="1194124" cy="727968"/>
-          </a:xfrm>
-          <a:prstGeom prst="rect">
-            <a:avLst/>
-          </a:prstGeom>
-          <a:ln>
-            <a:headEnd w="lg" len="lg"/>
-            <a:tailEnd w="lg" len="lg"/>
-          </a:ln>
-        </p:spPr>
-        <p:style>
-          <a:lnRef idx="2">
-            <a:schemeClr val="accent1">
-              <a:shade val="50000"/>
-            </a:schemeClr>
-          </a:lnRef>
-          <a:fillRef idx="1">
-            <a:schemeClr val="accent1"/>
-          </a:fillRef>
-          <a:effectRef idx="0">
-            <a:schemeClr val="accent1"/>
-          </a:effectRef>
-          <a:fontRef idx="minor">
-            <a:schemeClr val="lt1"/>
-          </a:fontRef>
-        </p:style>
-        <p:txBody>
-          <a:bodyPr rtlCol="0" anchor="ctr"/>
-          <a:lstStyle/>
-          <a:p>
-            <a:pPr algn="ctr"/>
-            <a:r>
-              <a:rPr lang="ko-KR" altLang="en-US" dirty="0"/>
               <a:t>보상</a:t>
             </a:r>
           </a:p>
@@ -5175,7 +5215,7 @@
         </p:nvCxnSpPr>
         <p:spPr>
           <a:xfrm flipH="1">
-            <a:off x="7910787" y="1953087"/>
+            <a:off x="5677541" y="1953087"/>
             <a:ext cx="1" cy="543016"/>
           </a:xfrm>
           <a:prstGeom prst="straightConnector1">
@@ -5218,7 +5258,7 @@
         </p:nvCxnSpPr>
         <p:spPr>
           <a:xfrm flipH="1">
-            <a:off x="5655858" y="3224071"/>
+            <a:off x="3422612" y="3224071"/>
             <a:ext cx="2254929" cy="489752"/>
           </a:xfrm>
           <a:prstGeom prst="straightConnector1">
@@ -5261,8 +5301,8 @@
         </p:nvCxnSpPr>
         <p:spPr>
           <a:xfrm>
-            <a:off x="7910787" y="3224071"/>
-            <a:ext cx="2343704" cy="489752"/>
+            <a:off x="5677541" y="3224071"/>
+            <a:ext cx="4005959" cy="489752"/>
           </a:xfrm>
           <a:prstGeom prst="straightConnector1">
             <a:avLst/>
@@ -5305,7 +5345,7 @@
         </p:nvCxnSpPr>
         <p:spPr>
           <a:xfrm>
-            <a:off x="7910787" y="3224071"/>
+            <a:off x="5677541" y="3224071"/>
             <a:ext cx="0" cy="489752"/>
           </a:xfrm>
           <a:prstGeom prst="straightConnector1">
@@ -5348,7 +5388,7 @@
         </p:nvCxnSpPr>
         <p:spPr>
           <a:xfrm>
-            <a:off x="5655858" y="4441791"/>
+            <a:off x="3422612" y="4441791"/>
             <a:ext cx="2237174" cy="834500"/>
           </a:xfrm>
           <a:prstGeom prst="straightConnector1">
@@ -5392,7 +5432,7 @@
         </p:nvCxnSpPr>
         <p:spPr>
           <a:xfrm flipH="1">
-            <a:off x="7893032" y="4441791"/>
+            <a:off x="5659786" y="4441791"/>
             <a:ext cx="17755" cy="834500"/>
           </a:xfrm>
           <a:prstGeom prst="straightConnector1">
@@ -5436,8 +5476,8 @@
         </p:nvCxnSpPr>
         <p:spPr>
           <a:xfrm flipH="1">
-            <a:off x="7893032" y="4441791"/>
-            <a:ext cx="2361459" cy="834500"/>
+            <a:off x="5659786" y="4441791"/>
+            <a:ext cx="4023714" cy="834500"/>
           </a:xfrm>
           <a:prstGeom prst="straightConnector1">
             <a:avLst/>
@@ -5515,7 +5555,7 @@
         </p:nvCxnSpPr>
         <p:spPr>
           <a:xfrm rot="10800000" flipH="1">
-            <a:off x="7295969" y="2860087"/>
+            <a:off x="5062723" y="2860087"/>
             <a:ext cx="17755" cy="2780188"/>
           </a:xfrm>
           <a:prstGeom prst="bentConnector3">
